--- a/img/irony_det_system.pptx
+++ b/img/irony_det_system.pptx
@@ -243,7 +243,7 @@
           <a:p>
             <a:fld id="{FFA13CC7-F370-4647-8F45-E0E2860F34BC}" type="datetimeFigureOut">
               <a:rPr kumimoji="1" lang="zh-CN" altLang="en-US" smtClean="0"/>
-              <a:t>2019/4/16</a:t>
+              <a:t>2019/4/30</a:t>
             </a:fld>
             <a:endParaRPr kumimoji="1" lang="zh-CN" altLang="en-US"/>
           </a:p>
@@ -413,7 +413,7 @@
           <a:p>
             <a:fld id="{FFA13CC7-F370-4647-8F45-E0E2860F34BC}" type="datetimeFigureOut">
               <a:rPr kumimoji="1" lang="zh-CN" altLang="en-US" smtClean="0"/>
-              <a:t>2019/4/16</a:t>
+              <a:t>2019/4/30</a:t>
             </a:fld>
             <a:endParaRPr kumimoji="1" lang="zh-CN" altLang="en-US"/>
           </a:p>
@@ -593,7 +593,7 @@
           <a:p>
             <a:fld id="{FFA13CC7-F370-4647-8F45-E0E2860F34BC}" type="datetimeFigureOut">
               <a:rPr kumimoji="1" lang="zh-CN" altLang="en-US" smtClean="0"/>
-              <a:t>2019/4/16</a:t>
+              <a:t>2019/4/30</a:t>
             </a:fld>
             <a:endParaRPr kumimoji="1" lang="zh-CN" altLang="en-US"/>
           </a:p>
@@ -763,7 +763,7 @@
           <a:p>
             <a:fld id="{FFA13CC7-F370-4647-8F45-E0E2860F34BC}" type="datetimeFigureOut">
               <a:rPr kumimoji="1" lang="zh-CN" altLang="en-US" smtClean="0"/>
-              <a:t>2019/4/16</a:t>
+              <a:t>2019/4/30</a:t>
             </a:fld>
             <a:endParaRPr kumimoji="1" lang="zh-CN" altLang="en-US"/>
           </a:p>
@@ -1007,7 +1007,7 @@
           <a:p>
             <a:fld id="{FFA13CC7-F370-4647-8F45-E0E2860F34BC}" type="datetimeFigureOut">
               <a:rPr kumimoji="1" lang="zh-CN" altLang="en-US" smtClean="0"/>
-              <a:t>2019/4/16</a:t>
+              <a:t>2019/4/30</a:t>
             </a:fld>
             <a:endParaRPr kumimoji="1" lang="zh-CN" altLang="en-US"/>
           </a:p>
@@ -1239,7 +1239,7 @@
           <a:p>
             <a:fld id="{FFA13CC7-F370-4647-8F45-E0E2860F34BC}" type="datetimeFigureOut">
               <a:rPr kumimoji="1" lang="zh-CN" altLang="en-US" smtClean="0"/>
-              <a:t>2019/4/16</a:t>
+              <a:t>2019/4/30</a:t>
             </a:fld>
             <a:endParaRPr kumimoji="1" lang="zh-CN" altLang="en-US"/>
           </a:p>
@@ -1606,7 +1606,7 @@
           <a:p>
             <a:fld id="{FFA13CC7-F370-4647-8F45-E0E2860F34BC}" type="datetimeFigureOut">
               <a:rPr kumimoji="1" lang="zh-CN" altLang="en-US" smtClean="0"/>
-              <a:t>2019/4/16</a:t>
+              <a:t>2019/4/30</a:t>
             </a:fld>
             <a:endParaRPr kumimoji="1" lang="zh-CN" altLang="en-US"/>
           </a:p>
@@ -1724,7 +1724,7 @@
           <a:p>
             <a:fld id="{FFA13CC7-F370-4647-8F45-E0E2860F34BC}" type="datetimeFigureOut">
               <a:rPr kumimoji="1" lang="zh-CN" altLang="en-US" smtClean="0"/>
-              <a:t>2019/4/16</a:t>
+              <a:t>2019/4/30</a:t>
             </a:fld>
             <a:endParaRPr kumimoji="1" lang="zh-CN" altLang="en-US"/>
           </a:p>
@@ -1819,7 +1819,7 @@
           <a:p>
             <a:fld id="{FFA13CC7-F370-4647-8F45-E0E2860F34BC}" type="datetimeFigureOut">
               <a:rPr kumimoji="1" lang="zh-CN" altLang="en-US" smtClean="0"/>
-              <a:t>2019/4/16</a:t>
+              <a:t>2019/4/30</a:t>
             </a:fld>
             <a:endParaRPr kumimoji="1" lang="zh-CN" altLang="en-US"/>
           </a:p>
@@ -2096,7 +2096,7 @@
           <a:p>
             <a:fld id="{FFA13CC7-F370-4647-8F45-E0E2860F34BC}" type="datetimeFigureOut">
               <a:rPr kumimoji="1" lang="zh-CN" altLang="en-US" smtClean="0"/>
-              <a:t>2019/4/16</a:t>
+              <a:t>2019/4/30</a:t>
             </a:fld>
             <a:endParaRPr kumimoji="1" lang="zh-CN" altLang="en-US"/>
           </a:p>
@@ -2353,7 +2353,7 @@
           <a:p>
             <a:fld id="{FFA13CC7-F370-4647-8F45-E0E2860F34BC}" type="datetimeFigureOut">
               <a:rPr kumimoji="1" lang="zh-CN" altLang="en-US" smtClean="0"/>
-              <a:t>2019/4/16</a:t>
+              <a:t>2019/4/30</a:t>
             </a:fld>
             <a:endParaRPr kumimoji="1" lang="zh-CN" altLang="en-US"/>
           </a:p>
@@ -2566,7 +2566,7 @@
           <a:p>
             <a:fld id="{FFA13CC7-F370-4647-8F45-E0E2860F34BC}" type="datetimeFigureOut">
               <a:rPr kumimoji="1" lang="zh-CN" altLang="en-US" smtClean="0"/>
-              <a:t>2019/4/16</a:t>
+              <a:t>2019/4/30</a:t>
             </a:fld>
             <a:endParaRPr kumimoji="1" lang="zh-CN" altLang="en-US"/>
           </a:p>
@@ -3346,23 +3346,7 @@
                   <a:schemeClr val="tx1"/>
                 </a:solidFill>
               </a:rPr>
-              <a:t>引入第二组分类</a:t>
-            </a:r>
-            <a:r>
-              <a:rPr lang="zh-CN" altLang="en-US" sz="1800" dirty="0">
-                <a:solidFill>
-                  <a:schemeClr val="tx1"/>
-                </a:solidFill>
-              </a:rPr>
-              <a:t>器的</a:t>
-            </a:r>
-            <a:r>
-              <a:rPr lang="zh-CN" altLang="en-US" sz="1800" dirty="0">
-                <a:solidFill>
-                  <a:schemeClr val="tx1"/>
-                </a:solidFill>
-              </a:rPr>
-              <a:t>投票结果</a:t>
+              <a:t>引入第二组分类器的投票结果</a:t>
             </a:r>
             <a:endParaRPr kumimoji="1" lang="zh-CN" altLang="en-US" sz="1800" dirty="0">
               <a:solidFill>
@@ -4901,36 +4885,20 @@
               <a:t>引入</a:t>
             </a:r>
             <a:r>
+              <a:rPr lang="zh-CN" altLang="en-US" sz="1800" dirty="0" smtClean="0">
+                <a:solidFill>
+                  <a:schemeClr val="tx1"/>
+                </a:solidFill>
+              </a:rPr>
+              <a:t>第四组</a:t>
+            </a:r>
+            <a:r>
               <a:rPr lang="zh-CN" altLang="en-US" sz="1800" dirty="0">
                 <a:solidFill>
                   <a:schemeClr val="tx1"/>
                 </a:solidFill>
               </a:rPr>
-              <a:t>第三组</a:t>
-            </a:r>
-            <a:r>
-              <a:rPr lang="zh-CN" altLang="en-US" sz="1800" dirty="0">
-                <a:solidFill>
-                  <a:schemeClr val="tx1"/>
-                </a:solidFill>
-              </a:rPr>
-              <a:t>分类</a:t>
-            </a:r>
-            <a:r>
-              <a:rPr lang="zh-CN" altLang="en-US" sz="1800" dirty="0">
-                <a:solidFill>
-                  <a:schemeClr val="tx1"/>
-                </a:solidFill>
-              </a:rPr>
-              <a:t>器的</a:t>
-            </a:r>
-            <a:r>
-              <a:rPr lang="zh-CN" altLang="en-US" sz="1800" dirty="0">
-                <a:solidFill>
-                  <a:schemeClr val="tx1"/>
-                </a:solidFill>
-              </a:rPr>
-              <a:t>投票结果</a:t>
+              <a:t>分类器的投票结果</a:t>
             </a:r>
             <a:endParaRPr kumimoji="1" lang="zh-CN" altLang="en-US" sz="1800" dirty="0">
               <a:solidFill>
@@ -4995,23 +4963,7 @@
                   <a:schemeClr val="tx1"/>
                 </a:solidFill>
               </a:rPr>
-              <a:t>引入</a:t>
-            </a:r>
-            <a:r>
-              <a:rPr lang="zh-CN" altLang="en-US" sz="1800" dirty="0">
-                <a:solidFill>
-                  <a:schemeClr val="tx1"/>
-                </a:solidFill>
-              </a:rPr>
-              <a:t>第三组分类器的</a:t>
-            </a:r>
-            <a:r>
-              <a:rPr lang="zh-CN" altLang="en-US" sz="1800" dirty="0">
-                <a:solidFill>
-                  <a:schemeClr val="tx1"/>
-                </a:solidFill>
-              </a:rPr>
-              <a:t>投票结果</a:t>
+              <a:t>引入第三组分类器的投票结果</a:t>
             </a:r>
             <a:endParaRPr kumimoji="1" lang="zh-CN" altLang="en-US" sz="1800" dirty="0">
               <a:solidFill>
@@ -5453,14 +5405,15 @@
         <p:nvCxnSpPr>
           <p:cNvPr id="101" name="直线箭头连接符 100"/>
           <p:cNvCxnSpPr>
+            <a:stCxn id="24" idx="4"/>
             <a:endCxn id="70" idx="0"/>
           </p:cNvCxnSpPr>
           <p:nvPr/>
         </p:nvCxnSpPr>
         <p:spPr>
           <a:xfrm>
-            <a:off x="5912804" y="5964201"/>
-            <a:ext cx="0" cy="669859"/>
+            <a:off x="5912804" y="5989864"/>
+            <a:ext cx="4" cy="644192"/>
           </a:xfrm>
           <a:prstGeom prst="straightConnector1">
             <a:avLst/>

--- a/img/irony_det_system.pptx
+++ b/img/irony_det_system.pptx
@@ -243,7 +243,7 @@
           <a:p>
             <a:fld id="{FFA13CC7-F370-4647-8F45-E0E2860F34BC}" type="datetimeFigureOut">
               <a:rPr kumimoji="1" lang="zh-CN" altLang="en-US" smtClean="0"/>
-              <a:t>2019/4/30</a:t>
+              <a:t>2019/5/17</a:t>
             </a:fld>
             <a:endParaRPr kumimoji="1" lang="zh-CN" altLang="en-US"/>
           </a:p>
@@ -413,7 +413,7 @@
           <a:p>
             <a:fld id="{FFA13CC7-F370-4647-8F45-E0E2860F34BC}" type="datetimeFigureOut">
               <a:rPr kumimoji="1" lang="zh-CN" altLang="en-US" smtClean="0"/>
-              <a:t>2019/4/30</a:t>
+              <a:t>2019/5/17</a:t>
             </a:fld>
             <a:endParaRPr kumimoji="1" lang="zh-CN" altLang="en-US"/>
           </a:p>
@@ -593,7 +593,7 @@
           <a:p>
             <a:fld id="{FFA13CC7-F370-4647-8F45-E0E2860F34BC}" type="datetimeFigureOut">
               <a:rPr kumimoji="1" lang="zh-CN" altLang="en-US" smtClean="0"/>
-              <a:t>2019/4/30</a:t>
+              <a:t>2019/5/17</a:t>
             </a:fld>
             <a:endParaRPr kumimoji="1" lang="zh-CN" altLang="en-US"/>
           </a:p>
@@ -763,7 +763,7 @@
           <a:p>
             <a:fld id="{FFA13CC7-F370-4647-8F45-E0E2860F34BC}" type="datetimeFigureOut">
               <a:rPr kumimoji="1" lang="zh-CN" altLang="en-US" smtClean="0"/>
-              <a:t>2019/4/30</a:t>
+              <a:t>2019/5/17</a:t>
             </a:fld>
             <a:endParaRPr kumimoji="1" lang="zh-CN" altLang="en-US"/>
           </a:p>
@@ -1007,7 +1007,7 @@
           <a:p>
             <a:fld id="{FFA13CC7-F370-4647-8F45-E0E2860F34BC}" type="datetimeFigureOut">
               <a:rPr kumimoji="1" lang="zh-CN" altLang="en-US" smtClean="0"/>
-              <a:t>2019/4/30</a:t>
+              <a:t>2019/5/17</a:t>
             </a:fld>
             <a:endParaRPr kumimoji="1" lang="zh-CN" altLang="en-US"/>
           </a:p>
@@ -1239,7 +1239,7 @@
           <a:p>
             <a:fld id="{FFA13CC7-F370-4647-8F45-E0E2860F34BC}" type="datetimeFigureOut">
               <a:rPr kumimoji="1" lang="zh-CN" altLang="en-US" smtClean="0"/>
-              <a:t>2019/4/30</a:t>
+              <a:t>2019/5/17</a:t>
             </a:fld>
             <a:endParaRPr kumimoji="1" lang="zh-CN" altLang="en-US"/>
           </a:p>
@@ -1606,7 +1606,7 @@
           <a:p>
             <a:fld id="{FFA13CC7-F370-4647-8F45-E0E2860F34BC}" type="datetimeFigureOut">
               <a:rPr kumimoji="1" lang="zh-CN" altLang="en-US" smtClean="0"/>
-              <a:t>2019/4/30</a:t>
+              <a:t>2019/5/17</a:t>
             </a:fld>
             <a:endParaRPr kumimoji="1" lang="zh-CN" altLang="en-US"/>
           </a:p>
@@ -1724,7 +1724,7 @@
           <a:p>
             <a:fld id="{FFA13CC7-F370-4647-8F45-E0E2860F34BC}" type="datetimeFigureOut">
               <a:rPr kumimoji="1" lang="zh-CN" altLang="en-US" smtClean="0"/>
-              <a:t>2019/4/30</a:t>
+              <a:t>2019/5/17</a:t>
             </a:fld>
             <a:endParaRPr kumimoji="1" lang="zh-CN" altLang="en-US"/>
           </a:p>
@@ -1819,7 +1819,7 @@
           <a:p>
             <a:fld id="{FFA13CC7-F370-4647-8F45-E0E2860F34BC}" type="datetimeFigureOut">
               <a:rPr kumimoji="1" lang="zh-CN" altLang="en-US" smtClean="0"/>
-              <a:t>2019/4/30</a:t>
+              <a:t>2019/5/17</a:t>
             </a:fld>
             <a:endParaRPr kumimoji="1" lang="zh-CN" altLang="en-US"/>
           </a:p>
@@ -2096,7 +2096,7 @@
           <a:p>
             <a:fld id="{FFA13CC7-F370-4647-8F45-E0E2860F34BC}" type="datetimeFigureOut">
               <a:rPr kumimoji="1" lang="zh-CN" altLang="en-US" smtClean="0"/>
-              <a:t>2019/4/30</a:t>
+              <a:t>2019/5/17</a:t>
             </a:fld>
             <a:endParaRPr kumimoji="1" lang="zh-CN" altLang="en-US"/>
           </a:p>
@@ -2353,7 +2353,7 @@
           <a:p>
             <a:fld id="{FFA13CC7-F370-4647-8F45-E0E2860F34BC}" type="datetimeFigureOut">
               <a:rPr kumimoji="1" lang="zh-CN" altLang="en-US" smtClean="0"/>
-              <a:t>2019/4/30</a:t>
+              <a:t>2019/5/17</a:t>
             </a:fld>
             <a:endParaRPr kumimoji="1" lang="zh-CN" altLang="en-US"/>
           </a:p>
@@ -2566,7 +2566,7 @@
           <a:p>
             <a:fld id="{FFA13CC7-F370-4647-8F45-E0E2860F34BC}" type="datetimeFigureOut">
               <a:rPr kumimoji="1" lang="zh-CN" altLang="en-US" smtClean="0"/>
-              <a:t>2019/4/30</a:t>
+              <a:t>2019/5/17</a:t>
             </a:fld>
             <a:endParaRPr kumimoji="1" lang="zh-CN" altLang="en-US"/>
           </a:p>
@@ -3299,7 +3299,7 @@
         </p:nvSpPr>
         <p:spPr>
           <a:xfrm>
-            <a:off x="3225700" y="3513894"/>
+            <a:off x="1508281" y="3579655"/>
             <a:ext cx="2048937" cy="914400"/>
           </a:xfrm>
           <a:prstGeom prst="roundRect">
@@ -3767,84 +3767,6 @@
           </a:fontRef>
         </p:style>
       </p:cxnSp>
-      <p:cxnSp>
-        <p:nvCxnSpPr>
-          <p:cNvPr id="39" name="直线箭头连接符 38"/>
-          <p:cNvCxnSpPr>
-            <a:stCxn id="10" idx="4"/>
-            <a:endCxn id="22" idx="0"/>
-          </p:cNvCxnSpPr>
-          <p:nvPr/>
-        </p:nvCxnSpPr>
-        <p:spPr>
-          <a:xfrm flipH="1">
-            <a:off x="2532754" y="3009602"/>
-            <a:ext cx="1" cy="2065862"/>
-          </a:xfrm>
-          <a:prstGeom prst="straightConnector1">
-            <a:avLst/>
-          </a:prstGeom>
-          <a:ln>
-            <a:solidFill>
-              <a:schemeClr val="tx1"/>
-            </a:solidFill>
-            <a:tailEnd type="triangle"/>
-          </a:ln>
-        </p:spPr>
-        <p:style>
-          <a:lnRef idx="1">
-            <a:schemeClr val="accent1"/>
-          </a:lnRef>
-          <a:fillRef idx="0">
-            <a:schemeClr val="accent1"/>
-          </a:fillRef>
-          <a:effectRef idx="0">
-            <a:schemeClr val="accent1"/>
-          </a:effectRef>
-          <a:fontRef idx="minor">
-            <a:schemeClr val="tx1"/>
-          </a:fontRef>
-        </p:style>
-      </p:cxnSp>
-      <p:cxnSp>
-        <p:nvCxnSpPr>
-          <p:cNvPr id="41" name="直线箭头连接符 40"/>
-          <p:cNvCxnSpPr>
-            <a:stCxn id="22" idx="4"/>
-            <a:endCxn id="55" idx="0"/>
-          </p:cNvCxnSpPr>
-          <p:nvPr/>
-        </p:nvCxnSpPr>
-        <p:spPr>
-          <a:xfrm>
-            <a:off x="2532750" y="5989868"/>
-            <a:ext cx="0" cy="2372427"/>
-          </a:xfrm>
-          <a:prstGeom prst="straightConnector1">
-            <a:avLst/>
-          </a:prstGeom>
-          <a:ln>
-            <a:solidFill>
-              <a:schemeClr val="tx1"/>
-            </a:solidFill>
-            <a:tailEnd type="triangle"/>
-          </a:ln>
-        </p:spPr>
-        <p:style>
-          <a:lnRef idx="1">
-            <a:schemeClr val="accent1"/>
-          </a:lnRef>
-          <a:fillRef idx="0">
-            <a:schemeClr val="accent1"/>
-          </a:fillRef>
-          <a:effectRef idx="0">
-            <a:schemeClr val="accent1"/>
-          </a:effectRef>
-          <a:fontRef idx="minor">
-            <a:schemeClr val="tx1"/>
-          </a:fontRef>
-        </p:style>
-      </p:cxnSp>
       <p:sp>
         <p:nvSpPr>
           <p:cNvPr id="74" name="文本框 73"/>
@@ -4788,45 +4710,6 @@
           </a:p>
         </p:txBody>
       </p:sp>
-      <p:cxnSp>
-        <p:nvCxnSpPr>
-          <p:cNvPr id="67" name="直线箭头连接符 66"/>
-          <p:cNvCxnSpPr>
-            <a:stCxn id="55" idx="4"/>
-            <a:endCxn id="45" idx="0"/>
-          </p:cNvCxnSpPr>
-          <p:nvPr/>
-        </p:nvCxnSpPr>
-        <p:spPr>
-          <a:xfrm>
-            <a:off x="2532750" y="9276691"/>
-            <a:ext cx="0" cy="2333130"/>
-          </a:xfrm>
-          <a:prstGeom prst="straightConnector1">
-            <a:avLst/>
-          </a:prstGeom>
-          <a:ln>
-            <a:solidFill>
-              <a:schemeClr val="tx1"/>
-            </a:solidFill>
-            <a:tailEnd type="triangle"/>
-          </a:ln>
-        </p:spPr>
-        <p:style>
-          <a:lnRef idx="1">
-            <a:schemeClr val="accent1"/>
-          </a:lnRef>
-          <a:fillRef idx="0">
-            <a:schemeClr val="accent1"/>
-          </a:fillRef>
-          <a:effectRef idx="0">
-            <a:schemeClr val="accent1"/>
-          </a:effectRef>
-          <a:fontRef idx="minor">
-            <a:schemeClr val="tx1"/>
-          </a:fontRef>
-        </p:style>
-      </p:cxnSp>
       <p:sp>
         <p:nvSpPr>
           <p:cNvPr id="69" name="圆角矩形 68"/>
@@ -4835,7 +4718,7 @@
         </p:nvSpPr>
         <p:spPr>
           <a:xfrm>
-            <a:off x="6131675" y="9946867"/>
+            <a:off x="1508280" y="9988097"/>
             <a:ext cx="2048937" cy="914400"/>
           </a:xfrm>
           <a:prstGeom prst="roundRect">
@@ -4916,7 +4799,7 @@
         </p:nvSpPr>
         <p:spPr>
           <a:xfrm>
-            <a:off x="4888339" y="6634056"/>
+            <a:off x="1508281" y="6718341"/>
             <a:ext cx="2048937" cy="914400"/>
           </a:xfrm>
           <a:prstGeom prst="roundRect">
@@ -4984,8 +4867,8 @@
         </p:nvCxnSpPr>
         <p:spPr>
           <a:xfrm flipH="1">
-            <a:off x="4250165" y="3009602"/>
-            <a:ext cx="2" cy="504292"/>
+            <a:off x="2532750" y="3009602"/>
+            <a:ext cx="1717421" cy="570053"/>
           </a:xfrm>
           <a:prstGeom prst="straightConnector1">
             <a:avLst/>
@@ -5022,9 +4905,9 @@
           <p:nvPr/>
         </p:nvCxnSpPr>
         <p:spPr>
-          <a:xfrm>
-            <a:off x="2532751" y="3009602"/>
-            <a:ext cx="1717414" cy="504292"/>
+          <a:xfrm flipH="1">
+            <a:off x="2532750" y="3009602"/>
+            <a:ext cx="1" cy="570053"/>
           </a:xfrm>
           <a:prstGeom prst="straightConnector1">
             <a:avLst/>
@@ -5062,8 +4945,8 @@
         </p:nvCxnSpPr>
         <p:spPr>
           <a:xfrm>
-            <a:off x="4250169" y="4428294"/>
-            <a:ext cx="1" cy="647170"/>
+            <a:off x="2532750" y="4494055"/>
+            <a:ext cx="1717420" cy="581409"/>
           </a:xfrm>
           <a:prstGeom prst="straightConnector1">
             <a:avLst/>
@@ -5100,9 +4983,9 @@
           <p:nvPr/>
         </p:nvCxnSpPr>
         <p:spPr>
-          <a:xfrm flipH="1">
-            <a:off x="2532754" y="4428294"/>
-            <a:ext cx="1717415" cy="647170"/>
+          <a:xfrm>
+            <a:off x="2532750" y="4494055"/>
+            <a:ext cx="0" cy="581409"/>
           </a:xfrm>
           <a:prstGeom prst="straightConnector1">
             <a:avLst/>
@@ -5373,8 +5256,8 @@
         </p:nvCxnSpPr>
         <p:spPr>
           <a:xfrm>
-            <a:off x="5912804" y="7548460"/>
-            <a:ext cx="0" cy="813835"/>
+            <a:off x="2532750" y="7632741"/>
+            <a:ext cx="3380054" cy="729550"/>
           </a:xfrm>
           <a:prstGeom prst="straightConnector1">
             <a:avLst/>
@@ -5411,9 +5294,9 @@
           <p:nvPr/>
         </p:nvCxnSpPr>
         <p:spPr>
-          <a:xfrm>
-            <a:off x="5912804" y="5989864"/>
-            <a:ext cx="4" cy="644192"/>
+          <a:xfrm flipH="1">
+            <a:off x="2532750" y="5989864"/>
+            <a:ext cx="3380054" cy="728477"/>
           </a:xfrm>
           <a:prstGeom prst="straightConnector1">
             <a:avLst/>
@@ -5451,8 +5334,8 @@
         </p:nvCxnSpPr>
         <p:spPr>
           <a:xfrm>
-            <a:off x="7156140" y="10861267"/>
-            <a:ext cx="0" cy="748554"/>
+            <a:off x="2532749" y="10902497"/>
+            <a:ext cx="4623391" cy="707324"/>
           </a:xfrm>
           <a:prstGeom prst="straightConnector1">
             <a:avLst/>
@@ -5489,9 +5372,9 @@
           <p:nvPr/>
         </p:nvCxnSpPr>
         <p:spPr>
-          <a:xfrm>
-            <a:off x="7156140" y="9276691"/>
-            <a:ext cx="0" cy="670176"/>
+          <a:xfrm flipH="1">
+            <a:off x="2532749" y="9276691"/>
+            <a:ext cx="4623391" cy="711406"/>
           </a:xfrm>
           <a:prstGeom prst="straightConnector1">
             <a:avLst/>
@@ -5530,7 +5413,7 @@
         <p:spPr>
           <a:xfrm>
             <a:off x="2532750" y="5989864"/>
-            <a:ext cx="3380054" cy="644192"/>
+            <a:ext cx="0" cy="728477"/>
           </a:xfrm>
           <a:prstGeom prst="straightConnector1">
             <a:avLst/>
@@ -5567,9 +5450,9 @@
           <p:nvPr/>
         </p:nvCxnSpPr>
         <p:spPr>
-          <a:xfrm flipH="1">
-            <a:off x="2532750" y="7548460"/>
-            <a:ext cx="3380054" cy="813835"/>
+          <a:xfrm>
+            <a:off x="2532750" y="7632741"/>
+            <a:ext cx="0" cy="729550"/>
           </a:xfrm>
           <a:prstGeom prst="straightConnector1">
             <a:avLst/>
@@ -5606,9 +5489,9 @@
           <p:nvPr/>
         </p:nvCxnSpPr>
         <p:spPr>
-          <a:xfrm>
-            <a:off x="2532750" y="9276691"/>
-            <a:ext cx="4623390" cy="670176"/>
+          <a:xfrm flipH="1">
+            <a:off x="2532749" y="9276691"/>
+            <a:ext cx="1" cy="711406"/>
           </a:xfrm>
           <a:prstGeom prst="straightConnector1">
             <a:avLst/>
@@ -5645,9 +5528,9 @@
           <p:nvPr/>
         </p:nvCxnSpPr>
         <p:spPr>
-          <a:xfrm flipH="1">
-            <a:off x="2532750" y="10861267"/>
-            <a:ext cx="4623390" cy="748554"/>
+          <a:xfrm>
+            <a:off x="2532749" y="10902497"/>
+            <a:ext cx="1" cy="707324"/>
           </a:xfrm>
           <a:prstGeom prst="straightConnector1">
             <a:avLst/>

--- a/img/irony_det_system.pptx
+++ b/img/irony_det_system.pptx
@@ -4,6 +4,9 @@
   <p:sldMasterIdLst>
     <p:sldMasterId id="2147483756" r:id="rId1"/>
   </p:sldMasterIdLst>
+  <p:notesMasterIdLst>
+    <p:notesMasterId r:id="rId3"/>
+  </p:notesMasterIdLst>
   <p:sldIdLst>
     <p:sldId id="256" r:id="rId2"/>
   </p:sldIdLst>
@@ -112,6 +115,440 @@
 </p:presentation>
 </file>
 
+<file path=ppt/notesMasters/notesMaster1.xml><?xml version="1.0" encoding="utf-8"?>
+<p:notesMaster xmlns:a="http://schemas.openxmlformats.org/drawingml/2006/main" xmlns:r="http://schemas.openxmlformats.org/officeDocument/2006/relationships" xmlns:p="http://schemas.openxmlformats.org/presentationml/2006/main">
+  <p:cSld>
+    <p:bg>
+      <p:bgRef idx="1001">
+        <a:schemeClr val="bg1"/>
+      </p:bgRef>
+    </p:bg>
+    <p:spTree>
+      <p:nvGrpSpPr>
+        <p:cNvPr id="1" name=""/>
+        <p:cNvGrpSpPr/>
+        <p:nvPr/>
+      </p:nvGrpSpPr>
+      <p:grpSpPr>
+        <a:xfrm>
+          <a:off x="0" y="0"/>
+          <a:ext cx="0" cy="0"/>
+          <a:chOff x="0" y="0"/>
+          <a:chExt cx="0" cy="0"/>
+        </a:xfrm>
+      </p:grpSpPr>
+      <p:sp>
+        <p:nvSpPr>
+          <p:cNvPr id="2" name="页眉占位符 1"/>
+          <p:cNvSpPr>
+            <a:spLocks noGrp="1"/>
+          </p:cNvSpPr>
+          <p:nvPr>
+            <p:ph type="hdr" sz="quarter"/>
+          </p:nvPr>
+        </p:nvSpPr>
+        <p:spPr>
+          <a:xfrm>
+            <a:off x="0" y="0"/>
+            <a:ext cx="2971800" cy="458788"/>
+          </a:xfrm>
+          <a:prstGeom prst="rect">
+            <a:avLst/>
+          </a:prstGeom>
+        </p:spPr>
+        <p:txBody>
+          <a:bodyPr vert="horz" lIns="91440" tIns="45720" rIns="91440" bIns="45720" rtlCol="0"/>
+          <a:lstStyle>
+            <a:lvl1pPr algn="l">
+              <a:defRPr sz="1200"/>
+            </a:lvl1pPr>
+          </a:lstStyle>
+          <a:p>
+            <a:endParaRPr kumimoji="1" lang="zh-CN" altLang="en-US"/>
+          </a:p>
+        </p:txBody>
+      </p:sp>
+      <p:sp>
+        <p:nvSpPr>
+          <p:cNvPr id="3" name="日期占位符 2"/>
+          <p:cNvSpPr>
+            <a:spLocks noGrp="1"/>
+          </p:cNvSpPr>
+          <p:nvPr>
+            <p:ph type="dt" idx="1"/>
+          </p:nvPr>
+        </p:nvSpPr>
+        <p:spPr>
+          <a:xfrm>
+            <a:off x="3884613" y="0"/>
+            <a:ext cx="2971800" cy="458788"/>
+          </a:xfrm>
+          <a:prstGeom prst="rect">
+            <a:avLst/>
+          </a:prstGeom>
+        </p:spPr>
+        <p:txBody>
+          <a:bodyPr vert="horz" lIns="91440" tIns="45720" rIns="91440" bIns="45720" rtlCol="0"/>
+          <a:lstStyle>
+            <a:lvl1pPr algn="r">
+              <a:defRPr sz="1200"/>
+            </a:lvl1pPr>
+          </a:lstStyle>
+          <a:p>
+            <a:fld id="{2846EA02-45E9-9B46-9234-6FBF97B588B0}" type="datetimeFigureOut">
+              <a:rPr kumimoji="1" lang="zh-CN" altLang="en-US" smtClean="0"/>
+              <a:t>2019/5/19</a:t>
+            </a:fld>
+            <a:endParaRPr kumimoji="1" lang="zh-CN" altLang="en-US"/>
+          </a:p>
+        </p:txBody>
+      </p:sp>
+      <p:sp>
+        <p:nvSpPr>
+          <p:cNvPr id="4" name="幻灯片图像占位符 3"/>
+          <p:cNvSpPr>
+            <a:spLocks noGrp="1" noRot="1" noChangeAspect="1"/>
+          </p:cNvSpPr>
+          <p:nvPr>
+            <p:ph type="sldImg" idx="2"/>
+          </p:nvPr>
+        </p:nvSpPr>
+        <p:spPr>
+          <a:xfrm>
+            <a:off x="2443163" y="1143000"/>
+            <a:ext cx="1971675" cy="3086100"/>
+          </a:xfrm>
+          <a:prstGeom prst="rect">
+            <a:avLst/>
+          </a:prstGeom>
+          <a:noFill/>
+          <a:ln w="12700">
+            <a:solidFill>
+              <a:prstClr val="black"/>
+            </a:solidFill>
+          </a:ln>
+        </p:spPr>
+        <p:txBody>
+          <a:bodyPr vert="horz" lIns="91440" tIns="45720" rIns="91440" bIns="45720" rtlCol="0" anchor="ctr"/>
+          <a:lstStyle/>
+          <a:p>
+            <a:endParaRPr lang="zh-CN" altLang="en-US"/>
+          </a:p>
+        </p:txBody>
+      </p:sp>
+      <p:sp>
+        <p:nvSpPr>
+          <p:cNvPr id="5" name="备注占位符 4"/>
+          <p:cNvSpPr>
+            <a:spLocks noGrp="1"/>
+          </p:cNvSpPr>
+          <p:nvPr>
+            <p:ph type="body" sz="quarter" idx="3"/>
+          </p:nvPr>
+        </p:nvSpPr>
+        <p:spPr>
+          <a:xfrm>
+            <a:off x="685800" y="4400550"/>
+            <a:ext cx="5486400" cy="3600450"/>
+          </a:xfrm>
+          <a:prstGeom prst="rect">
+            <a:avLst/>
+          </a:prstGeom>
+        </p:spPr>
+        <p:txBody>
+          <a:bodyPr vert="horz" lIns="91440" tIns="45720" rIns="91440" bIns="45720" rtlCol="0"/>
+          <a:lstStyle/>
+          <a:p>
+            <a:pPr lvl="0"/>
+            <a:r>
+              <a:rPr kumimoji="1" lang="zh-CN" altLang="en-US" smtClean="0"/>
+              <a:t>单击此处编辑母版文本样式</a:t>
+            </a:r>
+          </a:p>
+          <a:p>
+            <a:pPr lvl="1"/>
+            <a:r>
+              <a:rPr kumimoji="1" lang="zh-CN" altLang="en-US" smtClean="0"/>
+              <a:t>二级</a:t>
+            </a:r>
+          </a:p>
+          <a:p>
+            <a:pPr lvl="2"/>
+            <a:r>
+              <a:rPr kumimoji="1" lang="zh-CN" altLang="en-US" smtClean="0"/>
+              <a:t>三级</a:t>
+            </a:r>
+          </a:p>
+          <a:p>
+            <a:pPr lvl="3"/>
+            <a:r>
+              <a:rPr kumimoji="1" lang="zh-CN" altLang="en-US" smtClean="0"/>
+              <a:t>四级</a:t>
+            </a:r>
+          </a:p>
+          <a:p>
+            <a:pPr lvl="4"/>
+            <a:r>
+              <a:rPr kumimoji="1" lang="zh-CN" altLang="en-US" smtClean="0"/>
+              <a:t>五级</a:t>
+            </a:r>
+            <a:endParaRPr kumimoji="1" lang="zh-CN" altLang="en-US"/>
+          </a:p>
+        </p:txBody>
+      </p:sp>
+      <p:sp>
+        <p:nvSpPr>
+          <p:cNvPr id="6" name="页脚占位符 5"/>
+          <p:cNvSpPr>
+            <a:spLocks noGrp="1"/>
+          </p:cNvSpPr>
+          <p:nvPr>
+            <p:ph type="ftr" sz="quarter" idx="4"/>
+          </p:nvPr>
+        </p:nvSpPr>
+        <p:spPr>
+          <a:xfrm>
+            <a:off x="0" y="8685213"/>
+            <a:ext cx="2971800" cy="458787"/>
+          </a:xfrm>
+          <a:prstGeom prst="rect">
+            <a:avLst/>
+          </a:prstGeom>
+        </p:spPr>
+        <p:txBody>
+          <a:bodyPr vert="horz" lIns="91440" tIns="45720" rIns="91440" bIns="45720" rtlCol="0" anchor="b"/>
+          <a:lstStyle>
+            <a:lvl1pPr algn="l">
+              <a:defRPr sz="1200"/>
+            </a:lvl1pPr>
+          </a:lstStyle>
+          <a:p>
+            <a:endParaRPr kumimoji="1" lang="zh-CN" altLang="en-US"/>
+          </a:p>
+        </p:txBody>
+      </p:sp>
+      <p:sp>
+        <p:nvSpPr>
+          <p:cNvPr id="7" name="幻灯片编号占位符 6"/>
+          <p:cNvSpPr>
+            <a:spLocks noGrp="1"/>
+          </p:cNvSpPr>
+          <p:nvPr>
+            <p:ph type="sldNum" sz="quarter" idx="5"/>
+          </p:nvPr>
+        </p:nvSpPr>
+        <p:spPr>
+          <a:xfrm>
+            <a:off x="3884613" y="8685213"/>
+            <a:ext cx="2971800" cy="458787"/>
+          </a:xfrm>
+          <a:prstGeom prst="rect">
+            <a:avLst/>
+          </a:prstGeom>
+        </p:spPr>
+        <p:txBody>
+          <a:bodyPr vert="horz" lIns="91440" tIns="45720" rIns="91440" bIns="45720" rtlCol="0" anchor="b"/>
+          <a:lstStyle>
+            <a:lvl1pPr algn="r">
+              <a:defRPr sz="1200"/>
+            </a:lvl1pPr>
+          </a:lstStyle>
+          <a:p>
+            <a:fld id="{A556A584-D706-9046-A719-A06CC8F23C6B}" type="slidenum">
+              <a:rPr kumimoji="1" lang="zh-CN" altLang="en-US" smtClean="0"/>
+              <a:t>‹#›</a:t>
+            </a:fld>
+            <a:endParaRPr kumimoji="1" lang="zh-CN" altLang="en-US"/>
+          </a:p>
+        </p:txBody>
+      </p:sp>
+    </p:spTree>
+    <p:extLst>
+      <p:ext uri="{BB962C8B-B14F-4D97-AF65-F5344CB8AC3E}">
+        <p14:creationId xmlns:p14="http://schemas.microsoft.com/office/powerpoint/2010/main" val="18489692"/>
+      </p:ext>
+    </p:extLst>
+  </p:cSld>
+  <p:clrMap bg1="lt1" tx1="dk1" bg2="lt2" tx2="dk2" accent1="accent1" accent2="accent2" accent3="accent3" accent4="accent4" accent5="accent5" accent6="accent6" hlink="hlink" folHlink="folHlink"/>
+  <p:notesStyle>
+    <a:lvl1pPr marL="0" algn="l" defTabSz="914400" rtl="0" eaLnBrk="1" latinLnBrk="0" hangingPunct="1">
+      <a:defRPr sz="1200" kern="1200">
+        <a:solidFill>
+          <a:schemeClr val="tx1"/>
+        </a:solidFill>
+        <a:latin typeface="+mn-lt"/>
+        <a:ea typeface="+mn-ea"/>
+        <a:cs typeface="+mn-cs"/>
+      </a:defRPr>
+    </a:lvl1pPr>
+    <a:lvl2pPr marL="457200" algn="l" defTabSz="914400" rtl="0" eaLnBrk="1" latinLnBrk="0" hangingPunct="1">
+      <a:defRPr sz="1200" kern="1200">
+        <a:solidFill>
+          <a:schemeClr val="tx1"/>
+        </a:solidFill>
+        <a:latin typeface="+mn-lt"/>
+        <a:ea typeface="+mn-ea"/>
+        <a:cs typeface="+mn-cs"/>
+      </a:defRPr>
+    </a:lvl2pPr>
+    <a:lvl3pPr marL="914400" algn="l" defTabSz="914400" rtl="0" eaLnBrk="1" latinLnBrk="0" hangingPunct="1">
+      <a:defRPr sz="1200" kern="1200">
+        <a:solidFill>
+          <a:schemeClr val="tx1"/>
+        </a:solidFill>
+        <a:latin typeface="+mn-lt"/>
+        <a:ea typeface="+mn-ea"/>
+        <a:cs typeface="+mn-cs"/>
+      </a:defRPr>
+    </a:lvl3pPr>
+    <a:lvl4pPr marL="1371600" algn="l" defTabSz="914400" rtl="0" eaLnBrk="1" latinLnBrk="0" hangingPunct="1">
+      <a:defRPr sz="1200" kern="1200">
+        <a:solidFill>
+          <a:schemeClr val="tx1"/>
+        </a:solidFill>
+        <a:latin typeface="+mn-lt"/>
+        <a:ea typeface="+mn-ea"/>
+        <a:cs typeface="+mn-cs"/>
+      </a:defRPr>
+    </a:lvl4pPr>
+    <a:lvl5pPr marL="1828800" algn="l" defTabSz="914400" rtl="0" eaLnBrk="1" latinLnBrk="0" hangingPunct="1">
+      <a:defRPr sz="1200" kern="1200">
+        <a:solidFill>
+          <a:schemeClr val="tx1"/>
+        </a:solidFill>
+        <a:latin typeface="+mn-lt"/>
+        <a:ea typeface="+mn-ea"/>
+        <a:cs typeface="+mn-cs"/>
+      </a:defRPr>
+    </a:lvl5pPr>
+    <a:lvl6pPr marL="2286000" algn="l" defTabSz="914400" rtl="0" eaLnBrk="1" latinLnBrk="0" hangingPunct="1">
+      <a:defRPr sz="1200" kern="1200">
+        <a:solidFill>
+          <a:schemeClr val="tx1"/>
+        </a:solidFill>
+        <a:latin typeface="+mn-lt"/>
+        <a:ea typeface="+mn-ea"/>
+        <a:cs typeface="+mn-cs"/>
+      </a:defRPr>
+    </a:lvl6pPr>
+    <a:lvl7pPr marL="2743200" algn="l" defTabSz="914400" rtl="0" eaLnBrk="1" latinLnBrk="0" hangingPunct="1">
+      <a:defRPr sz="1200" kern="1200">
+        <a:solidFill>
+          <a:schemeClr val="tx1"/>
+        </a:solidFill>
+        <a:latin typeface="+mn-lt"/>
+        <a:ea typeface="+mn-ea"/>
+        <a:cs typeface="+mn-cs"/>
+      </a:defRPr>
+    </a:lvl7pPr>
+    <a:lvl8pPr marL="3200400" algn="l" defTabSz="914400" rtl="0" eaLnBrk="1" latinLnBrk="0" hangingPunct="1">
+      <a:defRPr sz="1200" kern="1200">
+        <a:solidFill>
+          <a:schemeClr val="tx1"/>
+        </a:solidFill>
+        <a:latin typeface="+mn-lt"/>
+        <a:ea typeface="+mn-ea"/>
+        <a:cs typeface="+mn-cs"/>
+      </a:defRPr>
+    </a:lvl8pPr>
+    <a:lvl9pPr marL="3657600" algn="l" defTabSz="914400" rtl="0" eaLnBrk="1" latinLnBrk="0" hangingPunct="1">
+      <a:defRPr sz="1200" kern="1200">
+        <a:solidFill>
+          <a:schemeClr val="tx1"/>
+        </a:solidFill>
+        <a:latin typeface="+mn-lt"/>
+        <a:ea typeface="+mn-ea"/>
+        <a:cs typeface="+mn-cs"/>
+      </a:defRPr>
+    </a:lvl9pPr>
+  </p:notesStyle>
+</p:notesMaster>
+</file>
+
+<file path=ppt/notesSlides/notesSlide1.xml><?xml version="1.0" encoding="utf-8"?>
+<p:notes xmlns:a="http://schemas.openxmlformats.org/drawingml/2006/main" xmlns:r="http://schemas.openxmlformats.org/officeDocument/2006/relationships" xmlns:p="http://schemas.openxmlformats.org/presentationml/2006/main">
+  <p:cSld>
+    <p:spTree>
+      <p:nvGrpSpPr>
+        <p:cNvPr id="1" name=""/>
+        <p:cNvGrpSpPr/>
+        <p:nvPr/>
+      </p:nvGrpSpPr>
+      <p:grpSpPr>
+        <a:xfrm>
+          <a:off x="0" y="0"/>
+          <a:ext cx="0" cy="0"/>
+          <a:chOff x="0" y="0"/>
+          <a:chExt cx="0" cy="0"/>
+        </a:xfrm>
+      </p:grpSpPr>
+      <p:sp>
+        <p:nvSpPr>
+          <p:cNvPr id="2" name="幻灯片图像占位符 1"/>
+          <p:cNvSpPr>
+            <a:spLocks noGrp="1" noRot="1" noChangeAspect="1"/>
+          </p:cNvSpPr>
+          <p:nvPr>
+            <p:ph type="sldImg"/>
+          </p:nvPr>
+        </p:nvSpPr>
+        <p:spPr/>
+      </p:sp>
+      <p:sp>
+        <p:nvSpPr>
+          <p:cNvPr id="3" name="备注占位符 2"/>
+          <p:cNvSpPr>
+            <a:spLocks noGrp="1"/>
+          </p:cNvSpPr>
+          <p:nvPr>
+            <p:ph type="body" idx="1"/>
+          </p:nvPr>
+        </p:nvSpPr>
+        <p:spPr/>
+        <p:txBody>
+          <a:bodyPr/>
+          <a:lstStyle/>
+          <a:p>
+            <a:endParaRPr kumimoji="1" lang="zh-CN" altLang="en-US" dirty="0"/>
+          </a:p>
+        </p:txBody>
+      </p:sp>
+      <p:sp>
+        <p:nvSpPr>
+          <p:cNvPr id="4" name="幻灯片编号占位符 3"/>
+          <p:cNvSpPr>
+            <a:spLocks noGrp="1"/>
+          </p:cNvSpPr>
+          <p:nvPr>
+            <p:ph type="sldNum" sz="quarter" idx="10"/>
+          </p:nvPr>
+        </p:nvSpPr>
+        <p:spPr/>
+        <p:txBody>
+          <a:bodyPr/>
+          <a:lstStyle/>
+          <a:p>
+            <a:fld id="{A556A584-D706-9046-A719-A06CC8F23C6B}" type="slidenum">
+              <a:rPr kumimoji="1" lang="zh-CN" altLang="en-US" smtClean="0"/>
+              <a:t>1</a:t>
+            </a:fld>
+            <a:endParaRPr kumimoji="1" lang="zh-CN" altLang="en-US"/>
+          </a:p>
+        </p:txBody>
+      </p:sp>
+    </p:spTree>
+    <p:extLst>
+      <p:ext uri="{BB962C8B-B14F-4D97-AF65-F5344CB8AC3E}">
+        <p14:creationId xmlns:p14="http://schemas.microsoft.com/office/powerpoint/2010/main" val="1518608276"/>
+      </p:ext>
+    </p:extLst>
+  </p:cSld>
+  <p:clrMapOvr>
+    <a:masterClrMapping/>
+  </p:clrMapOvr>
+</p:notes>
+</file>
+
 <file path=ppt/slideLayouts/slideLayout1.xml><?xml version="1.0" encoding="utf-8"?>
 <p:sldLayout xmlns:a="http://schemas.openxmlformats.org/drawingml/2006/main" xmlns:r="http://schemas.openxmlformats.org/officeDocument/2006/relationships" xmlns:p="http://schemas.openxmlformats.org/presentationml/2006/main" type="title" preserve="1">
   <p:cSld name="标题幻灯片">
@@ -243,7 +680,7 @@
           <a:p>
             <a:fld id="{FFA13CC7-F370-4647-8F45-E0E2860F34BC}" type="datetimeFigureOut">
               <a:rPr kumimoji="1" lang="zh-CN" altLang="en-US" smtClean="0"/>
-              <a:t>2019/5/17</a:t>
+              <a:t>2019/5/19</a:t>
             </a:fld>
             <a:endParaRPr kumimoji="1" lang="zh-CN" altLang="en-US"/>
           </a:p>
@@ -413,7 +850,7 @@
           <a:p>
             <a:fld id="{FFA13CC7-F370-4647-8F45-E0E2860F34BC}" type="datetimeFigureOut">
               <a:rPr kumimoji="1" lang="zh-CN" altLang="en-US" smtClean="0"/>
-              <a:t>2019/5/17</a:t>
+              <a:t>2019/5/19</a:t>
             </a:fld>
             <a:endParaRPr kumimoji="1" lang="zh-CN" altLang="en-US"/>
           </a:p>
@@ -593,7 +1030,7 @@
           <a:p>
             <a:fld id="{FFA13CC7-F370-4647-8F45-E0E2860F34BC}" type="datetimeFigureOut">
               <a:rPr kumimoji="1" lang="zh-CN" altLang="en-US" smtClean="0"/>
-              <a:t>2019/5/17</a:t>
+              <a:t>2019/5/19</a:t>
             </a:fld>
             <a:endParaRPr kumimoji="1" lang="zh-CN" altLang="en-US"/>
           </a:p>
@@ -763,7 +1200,7 @@
           <a:p>
             <a:fld id="{FFA13CC7-F370-4647-8F45-E0E2860F34BC}" type="datetimeFigureOut">
               <a:rPr kumimoji="1" lang="zh-CN" altLang="en-US" smtClean="0"/>
-              <a:t>2019/5/17</a:t>
+              <a:t>2019/5/19</a:t>
             </a:fld>
             <a:endParaRPr kumimoji="1" lang="zh-CN" altLang="en-US"/>
           </a:p>
@@ -1007,7 +1444,7 @@
           <a:p>
             <a:fld id="{FFA13CC7-F370-4647-8F45-E0E2860F34BC}" type="datetimeFigureOut">
               <a:rPr kumimoji="1" lang="zh-CN" altLang="en-US" smtClean="0"/>
-              <a:t>2019/5/17</a:t>
+              <a:t>2019/5/19</a:t>
             </a:fld>
             <a:endParaRPr kumimoji="1" lang="zh-CN" altLang="en-US"/>
           </a:p>
@@ -1239,7 +1676,7 @@
           <a:p>
             <a:fld id="{FFA13CC7-F370-4647-8F45-E0E2860F34BC}" type="datetimeFigureOut">
               <a:rPr kumimoji="1" lang="zh-CN" altLang="en-US" smtClean="0"/>
-              <a:t>2019/5/17</a:t>
+              <a:t>2019/5/19</a:t>
             </a:fld>
             <a:endParaRPr kumimoji="1" lang="zh-CN" altLang="en-US"/>
           </a:p>
@@ -1606,7 +2043,7 @@
           <a:p>
             <a:fld id="{FFA13CC7-F370-4647-8F45-E0E2860F34BC}" type="datetimeFigureOut">
               <a:rPr kumimoji="1" lang="zh-CN" altLang="en-US" smtClean="0"/>
-              <a:t>2019/5/17</a:t>
+              <a:t>2019/5/19</a:t>
             </a:fld>
             <a:endParaRPr kumimoji="1" lang="zh-CN" altLang="en-US"/>
           </a:p>
@@ -1724,7 +2161,7 @@
           <a:p>
             <a:fld id="{FFA13CC7-F370-4647-8F45-E0E2860F34BC}" type="datetimeFigureOut">
               <a:rPr kumimoji="1" lang="zh-CN" altLang="en-US" smtClean="0"/>
-              <a:t>2019/5/17</a:t>
+              <a:t>2019/5/19</a:t>
             </a:fld>
             <a:endParaRPr kumimoji="1" lang="zh-CN" altLang="en-US"/>
           </a:p>
@@ -1819,7 +2256,7 @@
           <a:p>
             <a:fld id="{FFA13CC7-F370-4647-8F45-E0E2860F34BC}" type="datetimeFigureOut">
               <a:rPr kumimoji="1" lang="zh-CN" altLang="en-US" smtClean="0"/>
-              <a:t>2019/5/17</a:t>
+              <a:t>2019/5/19</a:t>
             </a:fld>
             <a:endParaRPr kumimoji="1" lang="zh-CN" altLang="en-US"/>
           </a:p>
@@ -2096,7 +2533,7 @@
           <a:p>
             <a:fld id="{FFA13CC7-F370-4647-8F45-E0E2860F34BC}" type="datetimeFigureOut">
               <a:rPr kumimoji="1" lang="zh-CN" altLang="en-US" smtClean="0"/>
-              <a:t>2019/5/17</a:t>
+              <a:t>2019/5/19</a:t>
             </a:fld>
             <a:endParaRPr kumimoji="1" lang="zh-CN" altLang="en-US"/>
           </a:p>
@@ -2353,7 +2790,7 @@
           <a:p>
             <a:fld id="{FFA13CC7-F370-4647-8F45-E0E2860F34BC}" type="datetimeFigureOut">
               <a:rPr kumimoji="1" lang="zh-CN" altLang="en-US" smtClean="0"/>
-              <a:t>2019/5/17</a:t>
+              <a:t>2019/5/19</a:t>
             </a:fld>
             <a:endParaRPr kumimoji="1" lang="zh-CN" altLang="en-US"/>
           </a:p>
@@ -2566,7 +3003,7 @@
           <a:p>
             <a:fld id="{FFA13CC7-F370-4647-8F45-E0E2860F34BC}" type="datetimeFigureOut">
               <a:rPr kumimoji="1" lang="zh-CN" altLang="en-US" smtClean="0"/>
-              <a:t>2019/5/17</a:t>
+              <a:t>2019/5/19</a:t>
             </a:fld>
             <a:endParaRPr kumimoji="1" lang="zh-CN" altLang="en-US"/>
           </a:p>
@@ -3021,12 +3458,12 @@
           <a:p>
             <a:pPr algn="ctr"/>
             <a:r>
-              <a:rPr lang="zh-CN" altLang="en-US" sz="1800" dirty="0">
+              <a:rPr lang="zh-CN" altLang="en-US" sz="1800" dirty="0" smtClean="0">
                 <a:solidFill>
                   <a:schemeClr val="tx1"/>
                 </a:solidFill>
               </a:rPr>
-              <a:t>基于第一组分类器的投票</a:t>
+              <a:t>四分类反讽识别</a:t>
             </a:r>
             <a:endParaRPr kumimoji="1" lang="zh-CN" altLang="en-US" sz="1800" dirty="0">
               <a:solidFill>
@@ -3146,7 +3583,7 @@
           <a:p>
             <a:pPr algn="ctr"/>
             <a:r>
-              <a:rPr lang="zh-CN" altLang="en-US" sz="1800">
+              <a:rPr lang="zh-CN" altLang="en-US" sz="1800" dirty="0">
                 <a:solidFill>
                   <a:schemeClr val="tx1"/>
                 </a:solidFill>
@@ -3299,8 +3736,8 @@
         </p:nvSpPr>
         <p:spPr>
           <a:xfrm>
-            <a:off x="1508281" y="3579655"/>
-            <a:ext cx="2048937" cy="914400"/>
+            <a:off x="951903" y="3537789"/>
+            <a:ext cx="3161192" cy="914400"/>
           </a:xfrm>
           <a:prstGeom prst="roundRect">
             <a:avLst/>
@@ -3341,12 +3778,60 @@
           <a:p>
             <a:pPr algn="ctr"/>
             <a:r>
-              <a:rPr lang="zh-CN" altLang="en-US" sz="1800" dirty="0">
+              <a:rPr kumimoji="1" lang="zh-CN" altLang="en-US" sz="1800" dirty="0">
                 <a:solidFill>
                   <a:schemeClr val="tx1"/>
                 </a:solidFill>
               </a:rPr>
-              <a:t>引入第二组分类器的投票结果</a:t>
+              <a:t>面向没有反讽</a:t>
+            </a:r>
+            <a:r>
+              <a:rPr kumimoji="1" lang="zh-CN" altLang="en-US" sz="1800" dirty="0" smtClean="0">
+                <a:solidFill>
+                  <a:schemeClr val="tx1"/>
+                </a:solidFill>
+              </a:rPr>
+              <a:t>和</a:t>
+            </a:r>
+            <a:endParaRPr kumimoji="1" lang="en-US" altLang="zh-CN" sz="1800" dirty="0" smtClean="0">
+              <a:solidFill>
+                <a:schemeClr val="tx1"/>
+              </a:solidFill>
+            </a:endParaRPr>
+          </a:p>
+          <a:p>
+            <a:pPr algn="ctr"/>
+            <a:r>
+              <a:rPr kumimoji="1" lang="zh-CN" altLang="en-US" sz="1800" dirty="0" smtClean="0">
+                <a:solidFill>
+                  <a:schemeClr val="tx1"/>
+                </a:solidFill>
+              </a:rPr>
+              <a:t>基于</a:t>
+            </a:r>
+            <a:r>
+              <a:rPr kumimoji="1" lang="zh-CN" altLang="en-US" sz="1800" dirty="0">
+                <a:solidFill>
+                  <a:schemeClr val="tx1"/>
+                </a:solidFill>
+              </a:rPr>
+              <a:t>相反语义的</a:t>
+            </a:r>
+            <a:r>
+              <a:rPr kumimoji="1" lang="zh-CN" altLang="en-US" sz="1800" dirty="0" smtClean="0">
+                <a:solidFill>
+                  <a:schemeClr val="tx1"/>
+                </a:solidFill>
+              </a:rPr>
+              <a:t>反讽二分</a:t>
+            </a:r>
+            <a:r>
+              <a:rPr kumimoji="1" lang="zh-CN" altLang="en-US" sz="1800" dirty="0">
+                <a:solidFill>
+                  <a:schemeClr val="tx1"/>
+                </a:solidFill>
+              </a:rPr>
+              <a:t>类</a:t>
             </a:r>
             <a:endParaRPr kumimoji="1" lang="zh-CN" altLang="en-US" sz="1800" dirty="0">
               <a:solidFill>
@@ -4718,8 +5203,8 @@
         </p:nvSpPr>
         <p:spPr>
           <a:xfrm>
-            <a:off x="1508280" y="9988097"/>
-            <a:ext cx="2048937" cy="914400"/>
+            <a:off x="1344690" y="9988097"/>
+            <a:ext cx="2376118" cy="914400"/>
           </a:xfrm>
           <a:prstGeom prst="roundRect">
             <a:avLst/>
@@ -4765,7 +5250,7 @@
                   <a:schemeClr val="tx1"/>
                 </a:solidFill>
               </a:rPr>
-              <a:t>引入</a:t>
+              <a:t>面向没有反讽</a:t>
             </a:r>
             <a:r>
               <a:rPr lang="zh-CN" altLang="en-US" sz="1800" dirty="0" smtClean="0">
@@ -4773,7 +5258,23 @@
                   <a:schemeClr val="tx1"/>
                 </a:solidFill>
               </a:rPr>
-              <a:t>第四组</a:t>
+              <a:t>和</a:t>
+            </a:r>
+            <a:endParaRPr lang="en-US" altLang="zh-CN" sz="1800" dirty="0" smtClean="0">
+              <a:solidFill>
+                <a:schemeClr val="tx1"/>
+              </a:solidFill>
+            </a:endParaRPr>
+          </a:p>
+          <a:p>
+            <a:pPr algn="ctr"/>
+            <a:r>
+              <a:rPr lang="zh-CN" altLang="en-US" sz="1800" dirty="0" smtClean="0">
+                <a:solidFill>
+                  <a:schemeClr val="tx1"/>
+                </a:solidFill>
+              </a:rPr>
+              <a:t>其他</a:t>
             </a:r>
             <a:r>
               <a:rPr lang="zh-CN" altLang="en-US" sz="1800" dirty="0">
@@ -4781,7 +5282,7 @@
                   <a:schemeClr val="tx1"/>
                 </a:solidFill>
               </a:rPr>
-              <a:t>分类器的投票结果</a:t>
+              <a:t>反讽的二分类</a:t>
             </a:r>
             <a:endParaRPr kumimoji="1" lang="zh-CN" altLang="en-US" sz="1800" dirty="0">
               <a:solidFill>
@@ -4799,8 +5300,8 @@
         </p:nvSpPr>
         <p:spPr>
           <a:xfrm>
-            <a:off x="1508281" y="6718341"/>
-            <a:ext cx="2048937" cy="914400"/>
+            <a:off x="1344192" y="6701270"/>
+            <a:ext cx="2376615" cy="914400"/>
           </a:xfrm>
           <a:prstGeom prst="roundRect">
             <a:avLst/>
@@ -4846,7 +5347,39 @@
                   <a:schemeClr val="tx1"/>
                 </a:solidFill>
               </a:rPr>
-              <a:t>引入第三组分类器的投票结果</a:t>
+              <a:t>面向没有反讽</a:t>
+            </a:r>
+            <a:r>
+              <a:rPr lang="zh-CN" altLang="en-US" sz="1800" dirty="0" smtClean="0">
+                <a:solidFill>
+                  <a:schemeClr val="tx1"/>
+                </a:solidFill>
+              </a:rPr>
+              <a:t>和</a:t>
+            </a:r>
+            <a:endParaRPr lang="en-US" altLang="zh-CN" sz="1800" dirty="0" smtClean="0">
+              <a:solidFill>
+                <a:schemeClr val="tx1"/>
+              </a:solidFill>
+            </a:endParaRPr>
+          </a:p>
+          <a:p>
+            <a:pPr algn="ctr"/>
+            <a:r>
+              <a:rPr lang="zh-CN" altLang="en-US" sz="1800" dirty="0" smtClean="0">
+                <a:solidFill>
+                  <a:schemeClr val="tx1"/>
+                </a:solidFill>
+              </a:rPr>
+              <a:t>情景</a:t>
+            </a:r>
+            <a:r>
+              <a:rPr lang="zh-CN" altLang="en-US" sz="1800" dirty="0">
+                <a:solidFill>
+                  <a:schemeClr val="tx1"/>
+                </a:solidFill>
+              </a:rPr>
+              <a:t>反讽的二分类</a:t>
             </a:r>
             <a:endParaRPr kumimoji="1" lang="zh-CN" altLang="en-US" sz="1800" dirty="0">
               <a:solidFill>
@@ -4867,8 +5400,8 @@
         </p:nvCxnSpPr>
         <p:spPr>
           <a:xfrm flipH="1">
-            <a:off x="2532750" y="3009602"/>
-            <a:ext cx="1717421" cy="570053"/>
+            <a:off x="2532499" y="3009602"/>
+            <a:ext cx="1717672" cy="528187"/>
           </a:xfrm>
           <a:prstGeom prst="straightConnector1">
             <a:avLst/>
@@ -4906,8 +5439,8 @@
         </p:nvCxnSpPr>
         <p:spPr>
           <a:xfrm flipH="1">
-            <a:off x="2532750" y="3009602"/>
-            <a:ext cx="1" cy="570053"/>
+            <a:off x="2532499" y="3009602"/>
+            <a:ext cx="252" cy="528187"/>
           </a:xfrm>
           <a:prstGeom prst="straightConnector1">
             <a:avLst/>
@@ -4945,8 +5478,8 @@
         </p:nvCxnSpPr>
         <p:spPr>
           <a:xfrm>
-            <a:off x="2532750" y="4494055"/>
-            <a:ext cx="1717420" cy="581409"/>
+            <a:off x="2532499" y="4452189"/>
+            <a:ext cx="1717671" cy="623275"/>
           </a:xfrm>
           <a:prstGeom prst="straightConnector1">
             <a:avLst/>
@@ -4984,8 +5517,8 @@
         </p:nvCxnSpPr>
         <p:spPr>
           <a:xfrm>
-            <a:off x="2532750" y="4494055"/>
-            <a:ext cx="0" cy="581409"/>
+            <a:off x="2532499" y="4452189"/>
+            <a:ext cx="251" cy="623275"/>
           </a:xfrm>
           <a:prstGeom prst="straightConnector1">
             <a:avLst/>
@@ -5256,8 +5789,8 @@
         </p:nvCxnSpPr>
         <p:spPr>
           <a:xfrm>
-            <a:off x="2532750" y="7632741"/>
-            <a:ext cx="3380054" cy="729550"/>
+            <a:off x="2532500" y="7615670"/>
+            <a:ext cx="3380304" cy="746621"/>
           </a:xfrm>
           <a:prstGeom prst="straightConnector1">
             <a:avLst/>
@@ -5295,8 +5828,8 @@
         </p:nvCxnSpPr>
         <p:spPr>
           <a:xfrm flipH="1">
-            <a:off x="2532750" y="5989864"/>
-            <a:ext cx="3380054" cy="728477"/>
+            <a:off x="2532500" y="5989864"/>
+            <a:ext cx="3380304" cy="711406"/>
           </a:xfrm>
           <a:prstGeom prst="straightConnector1">
             <a:avLst/>
@@ -5411,9 +5944,9 @@
           <p:nvPr/>
         </p:nvCxnSpPr>
         <p:spPr>
-          <a:xfrm>
-            <a:off x="2532750" y="5989864"/>
-            <a:ext cx="0" cy="728477"/>
+          <a:xfrm flipH="1">
+            <a:off x="2532500" y="5989864"/>
+            <a:ext cx="250" cy="711406"/>
           </a:xfrm>
           <a:prstGeom prst="straightConnector1">
             <a:avLst/>
@@ -5451,8 +5984,8 @@
         </p:nvCxnSpPr>
         <p:spPr>
           <a:xfrm>
-            <a:off x="2532750" y="7632741"/>
-            <a:ext cx="0" cy="729550"/>
+            <a:off x="2532500" y="7615670"/>
+            <a:ext cx="250" cy="746621"/>
           </a:xfrm>
           <a:prstGeom prst="straightConnector1">
             <a:avLst/>
@@ -5829,4 +6362,265 @@
     </a:ext>
   </a:extLst>
 </a:theme>
+</file>
+
+<file path=ppt/theme/theme2.xml><?xml version="1.0" encoding="utf-8"?>
+<a:theme xmlns:a="http://schemas.openxmlformats.org/drawingml/2006/main" name="Office 主题">
+  <a:themeElements>
+    <a:clrScheme name="Office">
+      <a:dk1>
+        <a:sysClr val="windowText" lastClr="000000"/>
+      </a:dk1>
+      <a:lt1>
+        <a:sysClr val="window" lastClr="FFFFFF"/>
+      </a:lt1>
+      <a:dk2>
+        <a:srgbClr val="44546A"/>
+      </a:dk2>
+      <a:lt2>
+        <a:srgbClr val="E7E6E6"/>
+      </a:lt2>
+      <a:accent1>
+        <a:srgbClr val="5B9BD5"/>
+      </a:accent1>
+      <a:accent2>
+        <a:srgbClr val="ED7D31"/>
+      </a:accent2>
+      <a:accent3>
+        <a:srgbClr val="A5A5A5"/>
+      </a:accent3>
+      <a:accent4>
+        <a:srgbClr val="FFC000"/>
+      </a:accent4>
+      <a:accent5>
+        <a:srgbClr val="4472C4"/>
+      </a:accent5>
+      <a:accent6>
+        <a:srgbClr val="70AD47"/>
+      </a:accent6>
+      <a:hlink>
+        <a:srgbClr val="0563C1"/>
+      </a:hlink>
+      <a:folHlink>
+        <a:srgbClr val="954F72"/>
+      </a:folHlink>
+    </a:clrScheme>
+    <a:fontScheme name="Office">
+      <a:majorFont>
+        <a:latin typeface="DengXian Light" panose="020F0302020204030204"/>
+        <a:ea typeface=""/>
+        <a:cs typeface=""/>
+        <a:font script="Jpan" typeface="Yu Gothic Light"/>
+        <a:font script="Hang" typeface="맑은 고딕"/>
+        <a:font script="Hans" typeface="DengXian Light"/>
+        <a:font script="Hant" typeface="新細明體"/>
+        <a:font script="Arab" typeface="Times New Roman"/>
+        <a:font script="Hebr" typeface="Times New Roman"/>
+        <a:font script="Thai" typeface="Angsana New"/>
+        <a:font script="Ethi" typeface="Nyala"/>
+        <a:font script="Beng" typeface="Vrinda"/>
+        <a:font script="Gujr" typeface="Shruti"/>
+        <a:font script="Khmr" typeface="MoolBoran"/>
+        <a:font script="Knda" typeface="Tunga"/>
+        <a:font script="Guru" typeface="Raavi"/>
+        <a:font script="Cans" typeface="Euphemia"/>
+        <a:font script="Cher" typeface="Plantagenet Cherokee"/>
+        <a:font script="Yiii" typeface="Microsoft Yi Baiti"/>
+        <a:font script="Tibt" typeface="Microsoft Himalaya"/>
+        <a:font script="Thaa" typeface="MV Boli"/>
+        <a:font script="Deva" typeface="Mangal"/>
+        <a:font script="Telu" typeface="Gautami"/>
+        <a:font script="Taml" typeface="Latha"/>
+        <a:font script="Syrc" typeface="Estrangelo Edessa"/>
+        <a:font script="Orya" typeface="Kalinga"/>
+        <a:font script="Mlym" typeface="Kartika"/>
+        <a:font script="Laoo" typeface="DokChampa"/>
+        <a:font script="Sinh" typeface="Iskoola Pota"/>
+        <a:font script="Mong" typeface="Mongolian Baiti"/>
+        <a:font script="Viet" typeface="Times New Roman"/>
+        <a:font script="Uigh" typeface="Microsoft Uighur"/>
+        <a:font script="Geor" typeface="Sylfaen"/>
+      </a:majorFont>
+      <a:minorFont>
+        <a:latin typeface="DengXian" panose="020F0502020204030204"/>
+        <a:ea typeface=""/>
+        <a:cs typeface=""/>
+        <a:font script="Jpan" typeface="Yu Gothic"/>
+        <a:font script="Hang" typeface="맑은 고딕"/>
+        <a:font script="Hans" typeface="DengXian"/>
+        <a:font script="Hant" typeface="新細明體"/>
+        <a:font script="Arab" typeface="Arial"/>
+        <a:font script="Hebr" typeface="Arial"/>
+        <a:font script="Thai" typeface="Cordia New"/>
+        <a:font script="Ethi" typeface="Nyala"/>
+        <a:font script="Beng" typeface="Vrinda"/>
+        <a:font script="Gujr" typeface="Shruti"/>
+        <a:font script="Khmr" typeface="DaunPenh"/>
+        <a:font script="Knda" typeface="Tunga"/>
+        <a:font script="Guru" typeface="Raavi"/>
+        <a:font script="Cans" typeface="Euphemia"/>
+        <a:font script="Cher" typeface="Plantagenet Cherokee"/>
+        <a:font script="Yiii" typeface="Microsoft Yi Baiti"/>
+        <a:font script="Tibt" typeface="Microsoft Himalaya"/>
+        <a:font script="Thaa" typeface="MV Boli"/>
+        <a:font script="Deva" typeface="Mangal"/>
+        <a:font script="Telu" typeface="Gautami"/>
+        <a:font script="Taml" typeface="Latha"/>
+        <a:font script="Syrc" typeface="Estrangelo Edessa"/>
+        <a:font script="Orya" typeface="Kalinga"/>
+        <a:font script="Mlym" typeface="Kartika"/>
+        <a:font script="Laoo" typeface="DokChampa"/>
+        <a:font script="Sinh" typeface="Iskoola Pota"/>
+        <a:font script="Mong" typeface="Mongolian Baiti"/>
+        <a:font script="Viet" typeface="Arial"/>
+        <a:font script="Uigh" typeface="Microsoft Uighur"/>
+        <a:font script="Geor" typeface="Sylfaen"/>
+      </a:minorFont>
+    </a:fontScheme>
+    <a:fmtScheme name="Office">
+      <a:fillStyleLst>
+        <a:solidFill>
+          <a:schemeClr val="phClr"/>
+        </a:solidFill>
+        <a:gradFill rotWithShape="1">
+          <a:gsLst>
+            <a:gs pos="0">
+              <a:schemeClr val="phClr">
+                <a:lumMod val="110000"/>
+                <a:satMod val="105000"/>
+                <a:tint val="67000"/>
+              </a:schemeClr>
+            </a:gs>
+            <a:gs pos="50000">
+              <a:schemeClr val="phClr">
+                <a:lumMod val="105000"/>
+                <a:satMod val="103000"/>
+                <a:tint val="73000"/>
+              </a:schemeClr>
+            </a:gs>
+            <a:gs pos="100000">
+              <a:schemeClr val="phClr">
+                <a:lumMod val="105000"/>
+                <a:satMod val="109000"/>
+                <a:tint val="81000"/>
+              </a:schemeClr>
+            </a:gs>
+          </a:gsLst>
+          <a:lin ang="5400000" scaled="0"/>
+        </a:gradFill>
+        <a:gradFill rotWithShape="1">
+          <a:gsLst>
+            <a:gs pos="0">
+              <a:schemeClr val="phClr">
+                <a:satMod val="103000"/>
+                <a:lumMod val="102000"/>
+                <a:tint val="94000"/>
+              </a:schemeClr>
+            </a:gs>
+            <a:gs pos="50000">
+              <a:schemeClr val="phClr">
+                <a:satMod val="110000"/>
+                <a:lumMod val="100000"/>
+                <a:shade val="100000"/>
+              </a:schemeClr>
+            </a:gs>
+            <a:gs pos="100000">
+              <a:schemeClr val="phClr">
+                <a:lumMod val="99000"/>
+                <a:satMod val="120000"/>
+                <a:shade val="78000"/>
+              </a:schemeClr>
+            </a:gs>
+          </a:gsLst>
+          <a:lin ang="5400000" scaled="0"/>
+        </a:gradFill>
+      </a:fillStyleLst>
+      <a:lnStyleLst>
+        <a:ln w="6350" cap="flat" cmpd="sng" algn="ctr">
+          <a:solidFill>
+            <a:schemeClr val="phClr"/>
+          </a:solidFill>
+          <a:prstDash val="solid"/>
+          <a:miter lim="800000"/>
+        </a:ln>
+        <a:ln w="12700" cap="flat" cmpd="sng" algn="ctr">
+          <a:solidFill>
+            <a:schemeClr val="phClr"/>
+          </a:solidFill>
+          <a:prstDash val="solid"/>
+          <a:miter lim="800000"/>
+        </a:ln>
+        <a:ln w="19050" cap="flat" cmpd="sng" algn="ctr">
+          <a:solidFill>
+            <a:schemeClr val="phClr"/>
+          </a:solidFill>
+          <a:prstDash val="solid"/>
+          <a:miter lim="800000"/>
+        </a:ln>
+      </a:lnStyleLst>
+      <a:effectStyleLst>
+        <a:effectStyle>
+          <a:effectLst/>
+        </a:effectStyle>
+        <a:effectStyle>
+          <a:effectLst/>
+        </a:effectStyle>
+        <a:effectStyle>
+          <a:effectLst>
+            <a:outerShdw blurRad="57150" dist="19050" dir="5400000" algn="ctr" rotWithShape="0">
+              <a:srgbClr val="000000">
+                <a:alpha val="63000"/>
+              </a:srgbClr>
+            </a:outerShdw>
+          </a:effectLst>
+        </a:effectStyle>
+      </a:effectStyleLst>
+      <a:bgFillStyleLst>
+        <a:solidFill>
+          <a:schemeClr val="phClr"/>
+        </a:solidFill>
+        <a:solidFill>
+          <a:schemeClr val="phClr">
+            <a:tint val="95000"/>
+            <a:satMod val="170000"/>
+          </a:schemeClr>
+        </a:solidFill>
+        <a:gradFill rotWithShape="1">
+          <a:gsLst>
+            <a:gs pos="0">
+              <a:schemeClr val="phClr">
+                <a:tint val="93000"/>
+                <a:satMod val="150000"/>
+                <a:shade val="98000"/>
+                <a:lumMod val="102000"/>
+              </a:schemeClr>
+            </a:gs>
+            <a:gs pos="50000">
+              <a:schemeClr val="phClr">
+                <a:tint val="98000"/>
+                <a:satMod val="130000"/>
+                <a:shade val="90000"/>
+                <a:lumMod val="103000"/>
+              </a:schemeClr>
+            </a:gs>
+            <a:gs pos="100000">
+              <a:schemeClr val="phClr">
+                <a:shade val="63000"/>
+                <a:satMod val="120000"/>
+              </a:schemeClr>
+            </a:gs>
+          </a:gsLst>
+          <a:lin ang="5400000" scaled="0"/>
+        </a:gradFill>
+      </a:bgFillStyleLst>
+    </a:fmtScheme>
+  </a:themeElements>
+  <a:objectDefaults/>
+  <a:extraClrSchemeLst/>
+  <a:extLst>
+    <a:ext uri="{05A4C25C-085E-4340-85A3-A5531E510DB2}">
+      <thm15:themeFamily xmlns:thm15="http://schemas.microsoft.com/office/thememl/2012/main" name="Office Theme" id="{62F939B6-93AF-4DB8-9C6B-D6C7DFDC589F}" vid="{4A3C46E8-61CC-4603-A589-7422A47A8E4A}"/>
+    </a:ext>
+  </a:extLst>
+</a:theme>
 </file>